--- a/trunk/docs/presentation/merge.pptx
+++ b/trunk/docs/presentation/merge.pptx
@@ -308,7 +308,7 @@
             <a:fld id="{3E30D489-0100-5F4B-968C-DB27C7703F54}" type="datetimeFigureOut">
               <a:rPr lang="en-US" smtClean="0"/>
               <a:pPr/>
-              <a:t>4/27/10</a:t>
+              <a:t>4/28/10</a:t>
             </a:fld>
             <a:endParaRPr lang="en-US"/>
           </a:p>
@@ -475,7 +475,7 @@
             <a:fld id="{3E30D489-0100-5F4B-968C-DB27C7703F54}" type="datetimeFigureOut">
               <a:rPr lang="en-US" smtClean="0"/>
               <a:pPr/>
-              <a:t>4/27/10</a:t>
+              <a:t>4/28/10</a:t>
             </a:fld>
             <a:endParaRPr lang="en-US"/>
           </a:p>
@@ -652,7 +652,7 @@
             <a:fld id="{3E30D489-0100-5F4B-968C-DB27C7703F54}" type="datetimeFigureOut">
               <a:rPr lang="en-US" smtClean="0"/>
               <a:pPr/>
-              <a:t>4/27/10</a:t>
+              <a:t>4/28/10</a:t>
             </a:fld>
             <a:endParaRPr lang="en-US"/>
           </a:p>
@@ -819,7 +819,7 @@
             <a:fld id="{3E30D489-0100-5F4B-968C-DB27C7703F54}" type="datetimeFigureOut">
               <a:rPr lang="en-US" smtClean="0"/>
               <a:pPr/>
-              <a:t>4/27/10</a:t>
+              <a:t>4/28/10</a:t>
             </a:fld>
             <a:endParaRPr lang="en-US"/>
           </a:p>
@@ -1062,7 +1062,7 @@
             <a:fld id="{3E30D489-0100-5F4B-968C-DB27C7703F54}" type="datetimeFigureOut">
               <a:rPr lang="en-US" smtClean="0"/>
               <a:pPr/>
-              <a:t>4/27/10</a:t>
+              <a:t>4/28/10</a:t>
             </a:fld>
             <a:endParaRPr lang="en-US"/>
           </a:p>
@@ -1347,7 +1347,7 @@
             <a:fld id="{3E30D489-0100-5F4B-968C-DB27C7703F54}" type="datetimeFigureOut">
               <a:rPr lang="en-US" smtClean="0"/>
               <a:pPr/>
-              <a:t>4/27/10</a:t>
+              <a:t>4/28/10</a:t>
             </a:fld>
             <a:endParaRPr lang="en-US"/>
           </a:p>
@@ -1766,7 +1766,7 @@
             <a:fld id="{3E30D489-0100-5F4B-968C-DB27C7703F54}" type="datetimeFigureOut">
               <a:rPr lang="en-US" smtClean="0"/>
               <a:pPr/>
-              <a:t>4/27/10</a:t>
+              <a:t>4/28/10</a:t>
             </a:fld>
             <a:endParaRPr lang="en-US"/>
           </a:p>
@@ -1881,7 +1881,7 @@
             <a:fld id="{3E30D489-0100-5F4B-968C-DB27C7703F54}" type="datetimeFigureOut">
               <a:rPr lang="en-US" smtClean="0"/>
               <a:pPr/>
-              <a:t>4/27/10</a:t>
+              <a:t>4/28/10</a:t>
             </a:fld>
             <a:endParaRPr lang="en-US"/>
           </a:p>
@@ -1973,7 +1973,7 @@
             <a:fld id="{3E30D489-0100-5F4B-968C-DB27C7703F54}" type="datetimeFigureOut">
               <a:rPr lang="en-US" smtClean="0"/>
               <a:pPr/>
-              <a:t>4/27/10</a:t>
+              <a:t>4/28/10</a:t>
             </a:fld>
             <a:endParaRPr lang="en-US"/>
           </a:p>
@@ -2247,7 +2247,7 @@
             <a:fld id="{3E30D489-0100-5F4B-968C-DB27C7703F54}" type="datetimeFigureOut">
               <a:rPr lang="en-US" smtClean="0"/>
               <a:pPr/>
-              <a:t>4/27/10</a:t>
+              <a:t>4/28/10</a:t>
             </a:fld>
             <a:endParaRPr lang="en-US"/>
           </a:p>
@@ -2497,7 +2497,7 @@
             <a:fld id="{3E30D489-0100-5F4B-968C-DB27C7703F54}" type="datetimeFigureOut">
               <a:rPr lang="en-US" smtClean="0"/>
               <a:pPr/>
-              <a:t>4/27/10</a:t>
+              <a:t>4/28/10</a:t>
             </a:fld>
             <a:endParaRPr lang="en-US"/>
           </a:p>
@@ -2707,7 +2707,7 @@
             <a:fld id="{3E30D489-0100-5F4B-968C-DB27C7703F54}" type="datetimeFigureOut">
               <a:rPr lang="en-US" smtClean="0"/>
               <a:pPr/>
-              <a:t>4/27/10</a:t>
+              <a:t>4/28/10</a:t>
             </a:fld>
             <a:endParaRPr lang="en-US"/>
           </a:p>
@@ -4519,15 +4519,19 @@
             <a:pPr lvl="2"/>
             <a:r>
               <a:rPr lang="en-US" dirty="0" smtClean="0"/>
-              <a:t>(</a:t>
+              <a:t>(DVLERRT</a:t>
+            </a:r>
+            <a:r>
+              <a:rPr lang="en-US" smtClean="0"/>
+              <a:t>) </a:t>
+            </a:r>
+            <a:r>
+              <a:rPr lang="en-US" smtClean="0"/>
+              <a:t>Pull </a:t>
             </a:r>
             <a:r>
               <a:rPr lang="en-US" dirty="0" smtClean="0"/>
-              <a:t>DVLERRT</a:t>
-            </a:r>
-            <a:r>
-              <a:rPr lang="en-US" dirty="0" smtClean="0"/>
-              <a:t>) Push from neighbors.</a:t>
+              <a:t>from neighbors.</a:t>
             </a:r>
           </a:p>
           <a:p>
